--- a/G04_shows.pptx
+++ b/G04_shows.pptx
@@ -280,7 +280,7 @@
       </p15:notesGuideLst>
     </p:ext>
     <p:ext uri="http://customooxmlschemas.google.com/">
-      <go:slidesCustomData xmlns="" xmlns:mc="http://schemas.openxmlformats.org/markup-compatibility/2006" xmlns:mv="urn:schemas-microsoft-com:mac:vml" xmlns:c="http://schemas.openxmlformats.org/drawingml/2006/chart" xmlns:dgm="http://schemas.openxmlformats.org/drawingml/2006/diagram" xmlns:o="urn:schemas-microsoft-com:office:office" xmlns:v="urn:schemas-microsoft-com:vml" xmlns:pvml="urn:schemas-microsoft-com:office:powerpoint" xmlns:com="http://schemas.openxmlformats.org/drawingml/2006/compatibility" xmlns:p14="http://schemas.microsoft.com/office/powerpoint/2010/main" xmlns:p15="http://schemas.microsoft.com/office/powerpoint/2012/main" xmlns:ahyp="http://schemas.microsoft.com/office/drawing/2018/hyperlinkcolor" xmlns:go="http://customooxmlschemas.google.com/" r:id="rId17" roundtripDataSignature="AMtx7mg5OY3R0pAxevg+fgTNWSftGfx/ow=="/>
+      <go:slidesCustomData xmlns:go="http://customooxmlschemas.google.com/" xmlns:ahyp="http://schemas.microsoft.com/office/drawing/2018/hyperlinkcolor" xmlns:p15="http://schemas.microsoft.com/office/powerpoint/2012/main" xmlns:p14="http://schemas.microsoft.com/office/powerpoint/2010/main" xmlns:com="http://schemas.openxmlformats.org/drawingml/2006/compatibility" xmlns:pvml="urn:schemas-microsoft-com:office:powerpoint" xmlns:v="urn:schemas-microsoft-com:vml" xmlns:o="urn:schemas-microsoft-com:office:office" xmlns:dgm="http://schemas.openxmlformats.org/drawingml/2006/diagram" xmlns:c="http://schemas.openxmlformats.org/drawingml/2006/chart" xmlns:mv="urn:schemas-microsoft-com:mac:vml" xmlns:mc="http://schemas.openxmlformats.org/markup-compatibility/2006" xmlns="" r:id="rId17" roundtripDataSignature="AMtx7mg5OY3R0pAxevg+fgTNWSftGfx/ow=="/>
     </p:ext>
   </p:extLst>
 </p:presentation>
@@ -6859,14 +6859,6 @@
               </a:rPr>
               <a:t>Nguyen Cong Hung – Student987459</a:t>
             </a:r>
-            <a:endParaRPr lang="en-US" sz="2800" dirty="0" smtClean="0">
-              <a:solidFill>
-                <a:schemeClr val="dk1"/>
-              </a:solidFill>
-              <a:latin typeface="Times New Roman"/>
-              <a:cs typeface="Times New Roman"/>
-              <a:sym typeface="Times New Roman"/>
-            </a:endParaRPr>
           </a:p>
           <a:p>
             <a:pPr marL="1311275" marR="0" lvl="0" indent="-457200" algn="just" rtl="0">
@@ -7221,6 +7213,13 @@
   <p:clrMapOvr>
     <a:masterClrMapping/>
   </p:clrMapOvr>
+  <p:timing>
+    <p:tnLst>
+      <p:par>
+        <p:cTn id="1" dur="indefinite" restart="never" nodeType="tmRoot"/>
+      </p:par>
+    </p:tnLst>
+  </p:timing>
 </p:sld>
 </file>
 
@@ -7825,6 +7824,13 @@
   <p:clrMapOvr>
     <a:masterClrMapping/>
   </p:clrMapOvr>
+  <p:timing>
+    <p:tnLst>
+      <p:par>
+        <p:cTn id="1" dur="indefinite" restart="never" nodeType="tmRoot"/>
+      </p:par>
+    </p:tnLst>
+  </p:timing>
 </p:sld>
 </file>
 
@@ -8082,6 +8088,13 @@
   <p:clrMapOvr>
     <a:masterClrMapping/>
   </p:clrMapOvr>
+  <p:timing>
+    <p:tnLst>
+      <p:par>
+        <p:cTn id="1" dur="indefinite" restart="never" nodeType="tmRoot"/>
+      </p:par>
+    </p:tnLst>
+  </p:timing>
 </p:sld>
 </file>
 
@@ -8469,6 +8482,13 @@
   <p:clrMapOvr>
     <a:masterClrMapping/>
   </p:clrMapOvr>
+  <p:timing>
+    <p:tnLst>
+      <p:par>
+        <p:cTn id="1" dur="indefinite" restart="never" nodeType="tmRoot"/>
+      </p:par>
+    </p:tnLst>
+  </p:timing>
 </p:sld>
 </file>
 
@@ -8779,6 +8799,13 @@
   <p:clrMapOvr>
     <a:masterClrMapping/>
   </p:clrMapOvr>
+  <p:timing>
+    <p:tnLst>
+      <p:par>
+        <p:cTn id="1" dur="indefinite" restart="never" nodeType="tmRoot"/>
+      </p:par>
+    </p:tnLst>
+  </p:timing>
 </p:sld>
 </file>
 
@@ -9035,6 +9062,13 @@
   <p:clrMapOvr>
     <a:masterClrMapping/>
   </p:clrMapOvr>
+  <p:timing>
+    <p:tnLst>
+      <p:par>
+        <p:cTn id="1" dur="indefinite" restart="never" nodeType="tmRoot"/>
+      </p:par>
+    </p:tnLst>
+  </p:timing>
 </p:sld>
 </file>
 
@@ -10060,6 +10094,13 @@
   <p:clrMapOvr>
     <a:masterClrMapping/>
   </p:clrMapOvr>
+  <p:timing>
+    <p:tnLst>
+      <p:par>
+        <p:cTn id="1" dur="indefinite" restart="never" nodeType="tmRoot"/>
+      </p:par>
+    </p:tnLst>
+  </p:timing>
 </p:sld>
 </file>
 
@@ -11026,14 +11067,14 @@
           <p:nvPr>
             <p:extLst>
               <p:ext uri="{D42A27DB-BD31-4B8C-83A1-F6EECF244321}">
-                <p14:modId xmlns:p14="http://schemas.microsoft.com/office/powerpoint/2010/main" val="1589156527"/>
+                <p14:modId xmlns:p14="http://schemas.microsoft.com/office/powerpoint/2010/main" val="2517071137"/>
               </p:ext>
             </p:extLst>
           </p:nvPr>
         </p:nvGraphicFramePr>
         <p:xfrm>
           <a:off x="107156" y="914406"/>
-          <a:ext cx="8929687" cy="5615709"/>
+          <a:ext cx="8929687" cy="5588000"/>
         </p:xfrm>
         <a:graphic>
           <a:graphicData uri="http://schemas.openxmlformats.org/drawingml/2006/table">
@@ -11106,7 +11147,7 @@
                   </a:extLst>
                 </a:gridCol>
               </a:tblGrid>
-              <a:tr h="181152">
+              <a:tr h="184238">
                 <a:tc rowSpan="2">
                   <a:txBody>
                     <a:bodyPr/>
@@ -11314,7 +11355,7 @@
                   </a:ext>
                 </a:extLst>
               </a:tr>
-              <a:tr h="362303">
+              <a:tr h="368475">
                 <a:tc vMerge="1">
                   <a:txBody>
                     <a:bodyPr/>
@@ -11483,7 +11524,7 @@
                   </a:ext>
                 </a:extLst>
               </a:tr>
-              <a:tr h="181152">
+              <a:tr h="184238">
                 <a:tc>
                   <a:txBody>
                     <a:bodyPr/>
@@ -11761,7 +11802,7 @@
                   </a:ext>
                 </a:extLst>
               </a:tr>
-              <a:tr h="152842">
+              <a:tr h="155446">
                 <a:tc rowSpan="2">
                   <a:txBody>
                     <a:bodyPr/>
@@ -11939,7 +11980,7 @@
                   </a:ext>
                 </a:extLst>
               </a:tr>
-              <a:tr h="571765">
+              <a:tr h="581505">
                 <a:tc vMerge="1">
                   <a:txBody>
                     <a:bodyPr/>
@@ -12120,7 +12161,7 @@
                   </a:ext>
                 </a:extLst>
               </a:tr>
-              <a:tr h="181152">
+              <a:tr h="184238">
                 <a:tc>
                   <a:txBody>
                     <a:bodyPr/>
@@ -12343,7 +12384,7 @@
                   </a:ext>
                 </a:extLst>
               </a:tr>
-              <a:tr h="181152">
+              <a:tr h="184238">
                 <a:tc>
                   <a:txBody>
                     <a:bodyPr/>
@@ -12530,7 +12571,7 @@
                   </a:ext>
                 </a:extLst>
               </a:tr>
-              <a:tr h="181152">
+              <a:tr h="143113">
                 <a:tc>
                   <a:txBody>
                     <a:bodyPr/>
@@ -12669,7 +12710,7 @@
                   </a:ext>
                 </a:extLst>
               </a:tr>
-              <a:tr h="181152">
+              <a:tr h="184238">
                 <a:tc>
                   <a:txBody>
                     <a:bodyPr/>
@@ -12796,23 +12837,41 @@
                         </a:spcAft>
                       </a:pPr>
                       <a:r>
-                        <a:rPr lang="en-GB" sz="700">
+                        <a:rPr lang="en-GB" sz="700" dirty="0">
                           <a:effectLst/>
                         </a:rPr>
                         <a:t>Cart_master,</a:t>
                       </a:r>
                       <a:br>
-                        <a:rPr lang="en-GB" sz="700">
+                        <a:rPr lang="en-GB" sz="700" dirty="0">
                           <a:effectLst/>
                         </a:rPr>
                       </a:br>
                       <a:r>
-                        <a:rPr lang="en-GB" sz="700">
+                        <a:rPr lang="en-GB" sz="700" dirty="0" smtClean="0">
                           <a:effectLst/>
                         </a:rPr>
-                        <a:t>Cart_details</a:t>
-                      </a:r>
-                      <a:endParaRPr lang="en-US" sz="800">
+                        <a:t>Cart_details,</a:t>
+                      </a:r>
+                    </a:p>
+                    <a:p>
+                      <a:pPr algn="ctr">
+                        <a:lnSpc>
+                          <a:spcPct val="150000"/>
+                        </a:lnSpc>
+                        <a:spcAft>
+                          <a:spcPts val="0"/>
+                        </a:spcAft>
+                      </a:pPr>
+                      <a:r>
+                        <a:rPr lang="en-GB" sz="700" dirty="0" smtClean="0">
+                          <a:effectLst/>
+                          <a:latin typeface="Times New Roman" panose="02020603050405020304" pitchFamily="18" charset="0"/>
+                          <a:ea typeface="Times New Roman" panose="02020603050405020304" pitchFamily="18" charset="0"/>
+                        </a:rPr>
+                        <a:t>Store_cart</a:t>
+                      </a:r>
+                      <a:endParaRPr lang="en-US" sz="800" dirty="0">
                         <a:effectLst/>
                         <a:latin typeface="Times New Roman" panose="02020603050405020304" pitchFamily="18" charset="0"/>
                         <a:ea typeface="Times New Roman" panose="02020603050405020304" pitchFamily="18" charset="0"/>
@@ -12939,7 +12998,7 @@
                   </a:ext>
                 </a:extLst>
               </a:tr>
-              <a:tr h="181152">
+              <a:tr h="184238">
                 <a:tc>
                   <a:txBody>
                     <a:bodyPr/>
@@ -13126,7 +13185,7 @@
                   </a:ext>
                 </a:extLst>
               </a:tr>
-              <a:tr h="181152">
+              <a:tr h="184238">
                 <a:tc>
                   <a:txBody>
                     <a:bodyPr/>
@@ -13313,7 +13372,7 @@
                   </a:ext>
                 </a:extLst>
               </a:tr>
-              <a:tr h="362303">
+              <a:tr h="368475">
                 <a:tc>
                   <a:txBody>
                     <a:bodyPr/>
@@ -13536,7 +13595,7 @@
                   </a:ext>
                 </a:extLst>
               </a:tr>
-              <a:tr h="181152">
+              <a:tr h="143113">
                 <a:tc>
                   <a:txBody>
                     <a:bodyPr/>
@@ -13675,7 +13734,7 @@
                   </a:ext>
                 </a:extLst>
               </a:tr>
-              <a:tr h="181152">
+              <a:tr h="184238">
                 <a:tc>
                   <a:txBody>
                     <a:bodyPr/>
@@ -13934,7 +13993,7 @@
                   </a:ext>
                 </a:extLst>
               </a:tr>
-              <a:tr h="181152">
+              <a:tr h="184238">
                 <a:tc>
                   <a:txBody>
                     <a:bodyPr/>
@@ -14121,7 +14180,7 @@
                   </a:ext>
                 </a:extLst>
               </a:tr>
-              <a:tr h="181152">
+              <a:tr h="184238">
                 <a:tc>
                   <a:txBody>
                     <a:bodyPr/>
@@ -14344,7 +14403,7 @@
                   </a:ext>
                 </a:extLst>
               </a:tr>
-              <a:tr h="181152">
+              <a:tr h="184238">
                 <a:tc>
                   <a:txBody>
                     <a:bodyPr/>
@@ -14549,7 +14608,7 @@
                   </a:ext>
                 </a:extLst>
               </a:tr>
-              <a:tr h="181152">
+              <a:tr h="143113">
                 <a:tc>
                   <a:txBody>
                     <a:bodyPr/>
@@ -14616,12 +14675,12 @@
                         </a:spcAft>
                       </a:pPr>
                       <a:r>
-                        <a:rPr lang="en-US" sz="700">
+                        <a:rPr lang="en-US" sz="700" dirty="0">
                           <a:effectLst/>
                         </a:rPr>
                         <a:t> </a:t>
                       </a:r>
-                      <a:endParaRPr lang="en-US" sz="800">
+                      <a:endParaRPr lang="en-US" sz="800" dirty="0">
                         <a:effectLst/>
                         <a:latin typeface="Times New Roman" panose="02020603050405020304" pitchFamily="18" charset="0"/>
                         <a:ea typeface="Times New Roman" panose="02020603050405020304" pitchFamily="18" charset="0"/>
@@ -14688,7 +14747,7 @@
                   </a:ext>
                 </a:extLst>
               </a:tr>
-              <a:tr h="181152">
+              <a:tr h="184238">
                 <a:tc>
                   <a:txBody>
                     <a:bodyPr/>
@@ -14947,7 +15006,7 @@
                   </a:ext>
                 </a:extLst>
               </a:tr>
-              <a:tr h="181152">
+              <a:tr h="184238">
                 <a:tc>
                   <a:txBody>
                     <a:bodyPr/>
@@ -15134,7 +15193,7 @@
                   </a:ext>
                 </a:extLst>
               </a:tr>
-              <a:tr h="181152">
+              <a:tr h="184238">
                 <a:tc>
                   <a:txBody>
                     <a:bodyPr/>
@@ -15357,7 +15416,7 @@
                   </a:ext>
                 </a:extLst>
               </a:tr>
-              <a:tr h="181152">
+              <a:tr h="184238">
                 <a:tc>
                   <a:txBody>
                     <a:bodyPr/>
@@ -15544,7 +15603,7 @@
                   </a:ext>
                 </a:extLst>
               </a:tr>
-              <a:tr h="181152">
+              <a:tr h="184238">
                 <a:tc>
                   <a:txBody>
                     <a:bodyPr/>
@@ -15683,7 +15742,7 @@
                   </a:ext>
                 </a:extLst>
               </a:tr>
-              <a:tr h="181152">
+              <a:tr h="184238">
                 <a:tc>
                   <a:txBody>
                     <a:bodyPr/>
@@ -15942,7 +16001,7 @@
                   </a:ext>
                 </a:extLst>
               </a:tr>
-              <a:tr h="181152">
+              <a:tr h="184238">
                 <a:tc>
                   <a:txBody>
                     <a:bodyPr/>
@@ -16129,7 +16188,7 @@
                   </a:ext>
                 </a:extLst>
               </a:tr>
-              <a:tr h="181152">
+              <a:tr h="184238">
                 <a:tc>
                   <a:txBody>
                     <a:bodyPr/>
@@ -16316,7 +16375,7 @@
                   </a:ext>
                 </a:extLst>
               </a:tr>
-              <a:tr h="181152">
+              <a:tr h="184238">
                 <a:tc>
                   <a:txBody>
                     <a:bodyPr/>
